--- a/2차.pptx
+++ b/2차.pptx
@@ -2,7 +2,7 @@
 <file path=ppt/presentation.xml><?xml version="1.0" encoding="utf-8"?>
 <p:presentation xmlns:r="http://schemas.openxmlformats.org/officeDocument/2006/relationships" xmlns:c="http://schemas.openxmlformats.org/drawingml/2006/chart" xmlns:a="http://schemas.openxmlformats.org/drawingml/2006/main" xmlns:dgm="http://schemas.openxmlformats.org/drawingml/2006/diagram" xmlns:dsp="http://schemas.microsoft.com/office/drawing/2008/diagram" xmlns:p="http://schemas.openxmlformats.org/presentationml/2006/main">
   <p:sldMasterIdLst>
-    <p:sldMasterId id="2147483665" r:id="rId1"/>
+    <p:sldMasterId id="2147483670" r:id="rId1"/>
   </p:sldMasterIdLst>
   <p:sldIdLst>
     <p:sldId id="256" r:id="rId2"/>
@@ -3588,7 +3588,7 @@
         <p:spPr>
           <a:xfrm>
             <a:off x="378820" y="520337"/>
-            <a:ext cx="4998994" cy="646331"/>
+            <a:ext cx="6008644" cy="646331"/>
           </a:xfrm>
           <a:prstGeom prst="rect">
             <a:avLst/>
@@ -3609,7 +3609,7 @@
                 <a:latin typeface="G마켓 산스 Bold"/>
                 <a:ea typeface="G마켓 산스 Bold"/>
               </a:rPr>
-              <a:t>프로젝트 개발 진행 상황</a:t>
+              <a:t>원래 프로젝트 개발 진행 상황</a:t>
             </a:r>
             <a:endParaRPr lang="ko-KR" altLang="en-US" sz="3600">
               <a:latin typeface="G마켓 산스 Bold"/>
@@ -5521,18 +5521,18 @@
           <p:nvPr/>
         </p:nvGraphicFramePr>
         <p:xfrm>
-          <a:off x="701016" y="1419369"/>
-          <a:ext cx="5760720" cy="505777"/>
+          <a:off x="689109" y="1514619"/>
+          <a:ext cx="5867876" cy="505777"/>
         </p:xfrm>
         <a:graphic>
           <a:graphicData uri="http://schemas.openxmlformats.org/drawingml/2006/table">
             <a:tbl>
               <a:tblPr firstRow="1" bandRow="1"/>
               <a:tblGrid>
-                <a:gridCol w="1440180"/>
-                <a:gridCol w="1440180"/>
-                <a:gridCol w="1440180"/>
-                <a:gridCol w="1440180"/>
+                <a:gridCol w="1466969"/>
+                <a:gridCol w="1466969"/>
+                <a:gridCol w="1466969"/>
+                <a:gridCol w="1466969"/>
               </a:tblGrid>
               <a:tr h="505777">
                 <a:tc>
@@ -5664,9 +5664,19 @@
                             </a:srgbClr>
                           </a:solidFill>
                         </a:rPr>
-                        <a:t>완료</a:t>
-                      </a:r>
-                      <a:endParaRPr xmlns:mc="http://schemas.openxmlformats.org/markup-compatibility/2006" xmlns:hp="http://schemas.haansoft.com/office/presentation/8.0" lang="ko-KR" altLang="en-US" sz="1000" b="0" i="0" strike="noStrike" mc:Ignorable="hp" hp:hslEmbossed="0">
+                        <a:t>게임 컨셉 변경</a:t>
+                      </a:r>
+                      <a:r>
+                        <a:rPr xmlns:mc="http://schemas.openxmlformats.org/markup-compatibility/2006" xmlns:hp="http://schemas.haansoft.com/office/presentation/8.0" lang="en-US" altLang="ko-KR" sz="1000" b="0" i="0" strike="noStrike" mc:Ignorable="hp" hp:hslEmbossed="0">
+                          <a:solidFill>
+                            <a:srgbClr val="000000">
+                              <a:alpha val="100000"/>
+                            </a:srgbClr>
+                          </a:solidFill>
+                        </a:rPr>
+                        <a:t>.</a:t>
+                      </a:r>
+                      <a:endParaRPr xmlns:mc="http://schemas.openxmlformats.org/markup-compatibility/2006" xmlns:hp="http://schemas.haansoft.com/office/presentation/8.0" lang="en-US" altLang="ko-KR" sz="1000" b="0" i="0" strike="noStrike" mc:Ignorable="hp" hp:hslEmbossed="0">
                         <a:solidFill>
                           <a:srgbClr val="000000">
                             <a:alpha val="100000"/>
@@ -6140,7 +6150,7 @@
         </p:nvGraphicFramePr>
         <p:xfrm>
           <a:off x="665777" y="3122445"/>
-          <a:ext cx="5760720" cy="853440"/>
+          <a:ext cx="5760720" cy="1005840"/>
         </p:xfrm>
         <a:graphic>
           <a:graphicData uri="http://schemas.openxmlformats.org/drawingml/2006/table">
@@ -6432,45 +6442,20 @@
                         </a:solidFill>
                       </a:endParaRPr>
                     </a:p>
-                  </a:txBody>
-                  <a:tcPr marL="91440" marR="91440">
-                    <a:lnL w="9525" cap="flat" cmpd="sng" algn="ctr">
-                      <a:noFill/>
-                      <a:prstDash val="solid"/>
-                      <a:round/>
-                      <a:headEnd w="med" len="med"/>
-                      <a:tailEnd w="med" len="med"/>
-                    </a:lnL>
-                    <a:lnR w="9525" cap="flat" cmpd="sng" algn="ctr">
-                      <a:noFill/>
-                      <a:prstDash val="solid"/>
-                      <a:round/>
-                      <a:headEnd w="med" len="med"/>
-                      <a:tailEnd w="med" len="med"/>
-                    </a:lnR>
-                    <a:lnT w="9525" cap="flat" cmpd="sng" algn="ctr">
-                      <a:noFill/>
-                      <a:prstDash val="solid"/>
-                      <a:round/>
-                      <a:headEnd w="med" len="med"/>
-                      <a:tailEnd w="med" len="med"/>
-                    </a:lnT>
-                    <a:lnB w="9525" cap="flat" cmpd="sng" algn="ctr">
-                      <a:noFill/>
-                      <a:prstDash val="solid"/>
-                      <a:round/>
-                      <a:headEnd w="med" len="med"/>
-                      <a:tailEnd w="med" len="med"/>
-                    </a:lnB>
-                  </a:tcPr>
-                </a:tc>
-                <a:tc>
-                  <a:txBody>
-                    <a:bodyPr vert="horz" lIns="91440" tIns="45720" rIns="91440" bIns="45720" anchor="t" anchorCtr="0"/>
                     <a:p>
                       <a:pPr algn="l">
                         <a:defRPr/>
                       </a:pPr>
+                      <a:r>
+                        <a:rPr xmlns:mc="http://schemas.openxmlformats.org/markup-compatibility/2006" xmlns:hp="http://schemas.haansoft.com/office/presentation/8.0" lang="ko-KR" altLang="en-US" sz="1000" b="0" i="0" strike="noStrike" mc:Ignorable="hp" hp:hslEmbossed="0">
+                          <a:solidFill>
+                            <a:srgbClr val="000000">
+                              <a:alpha val="100000"/>
+                            </a:srgbClr>
+                          </a:solidFill>
+                        </a:rPr>
+                        <a:t>보스</a:t>
+                      </a:r>
                       <a:r>
                         <a:rPr xmlns:mc="http://schemas.openxmlformats.org/markup-compatibility/2006" xmlns:hp="http://schemas.haansoft.com/office/presentation/8.0" lang="en-US" altLang="ko-KR" sz="1000" b="0" i="0" strike="noStrike" mc:Ignorable="hp" hp:hslEmbossed="0">
                           <a:solidFill>
@@ -6479,7 +6464,84 @@
                             </a:srgbClr>
                           </a:solidFill>
                         </a:rPr>
-                        <a:t>90%</a:t>
+                        <a:t> hp</a:t>
+                      </a:r>
+                      <a:r>
+                        <a:rPr xmlns:mc="http://schemas.openxmlformats.org/markup-compatibility/2006" xmlns:hp="http://schemas.haansoft.com/office/presentation/8.0" lang="ko-KR" altLang="en-US" sz="1000" b="0" i="0" strike="noStrike" mc:Ignorable="hp" hp:hslEmbossed="0">
+                          <a:solidFill>
+                            <a:srgbClr val="000000">
+                              <a:alpha val="100000"/>
+                            </a:srgbClr>
+                          </a:solidFill>
+                        </a:rPr>
+                        <a:t>구현 </a:t>
+                      </a:r>
+                      <a:r>
+                        <a:rPr xmlns:mc="http://schemas.openxmlformats.org/markup-compatibility/2006" xmlns:hp="http://schemas.haansoft.com/office/presentation/8.0" lang="en-US" altLang="ko-KR" sz="1000" b="0" i="0" strike="noStrike" mc:Ignorable="hp" hp:hslEmbossed="0">
+                          <a:solidFill>
+                            <a:srgbClr val="000000">
+                              <a:alpha val="100000"/>
+                            </a:srgbClr>
+                          </a:solidFill>
+                        </a:rPr>
+                        <a:t>X</a:t>
+                      </a:r>
+                      <a:endParaRPr xmlns:mc="http://schemas.openxmlformats.org/markup-compatibility/2006" xmlns:hp="http://schemas.haansoft.com/office/presentation/8.0" lang="en-US" altLang="ko-KR" sz="1000" b="0" i="0" strike="noStrike" mc:Ignorable="hp" hp:hslEmbossed="0">
+                        <a:solidFill>
+                          <a:srgbClr val="000000">
+                            <a:alpha val="100000"/>
+                          </a:srgbClr>
+                        </a:solidFill>
+                      </a:endParaRPr>
+                    </a:p>
+                  </a:txBody>
+                  <a:tcPr marL="91440" marR="91440">
+                    <a:lnL w="9525" cap="flat" cmpd="sng" algn="ctr">
+                      <a:noFill/>
+                      <a:prstDash val="solid"/>
+                      <a:round/>
+                      <a:headEnd w="med" len="med"/>
+                      <a:tailEnd w="med" len="med"/>
+                    </a:lnL>
+                    <a:lnR w="9525" cap="flat" cmpd="sng" algn="ctr">
+                      <a:noFill/>
+                      <a:prstDash val="solid"/>
+                      <a:round/>
+                      <a:headEnd w="med" len="med"/>
+                      <a:tailEnd w="med" len="med"/>
+                    </a:lnR>
+                    <a:lnT w="9525" cap="flat" cmpd="sng" algn="ctr">
+                      <a:noFill/>
+                      <a:prstDash val="solid"/>
+                      <a:round/>
+                      <a:headEnd w="med" len="med"/>
+                      <a:tailEnd w="med" len="med"/>
+                    </a:lnT>
+                    <a:lnB w="9525" cap="flat" cmpd="sng" algn="ctr">
+                      <a:noFill/>
+                      <a:prstDash val="solid"/>
+                      <a:round/>
+                      <a:headEnd w="med" len="med"/>
+                      <a:tailEnd w="med" len="med"/>
+                    </a:lnB>
+                  </a:tcPr>
+                </a:tc>
+                <a:tc>
+                  <a:txBody>
+                    <a:bodyPr vert="horz" lIns="91440" tIns="45720" rIns="91440" bIns="45720" anchor="t" anchorCtr="0"/>
+                    <a:p>
+                      <a:pPr algn="l">
+                        <a:defRPr/>
+                      </a:pPr>
+                      <a:r>
+                        <a:rPr xmlns:mc="http://schemas.openxmlformats.org/markup-compatibility/2006" xmlns:hp="http://schemas.haansoft.com/office/presentation/8.0" lang="en-US" altLang="ko-KR" sz="1000" b="0" i="0" strike="noStrike" mc:Ignorable="hp" hp:hslEmbossed="0">
+                          <a:solidFill>
+                            <a:srgbClr val="000000">
+                              <a:alpha val="100000"/>
+                            </a:srgbClr>
+                          </a:solidFill>
+                        </a:rPr>
+                        <a:t>70%</a:t>
                       </a:r>
                       <a:endParaRPr xmlns:mc="http://schemas.openxmlformats.org/markup-compatibility/2006" xmlns:hp="http://schemas.haansoft.com/office/presentation/8.0" lang="en-US" altLang="ko-KR" sz="1000" b="0" i="0" strike="noStrike" mc:Ignorable="hp" hp:hslEmbossed="0">
                         <a:solidFill>
@@ -6752,9 +6814,19 @@
                             </a:srgbClr>
                           </a:solidFill>
                         </a:rPr>
-                        <a:t>충돌처리 미구현</a:t>
-                      </a:r>
-                      <a:endParaRPr xmlns:mc="http://schemas.openxmlformats.org/markup-compatibility/2006" xmlns:hp="http://schemas.haansoft.com/office/presentation/8.0" lang="ko-KR" altLang="en-US" sz="1000" b="0" i="0" strike="noStrike" mc:Ignorable="hp" hp:hslEmbossed="0">
+                        <a:t>충돌처리 구현</a:t>
+                      </a:r>
+                      <a:r>
+                        <a:rPr xmlns:mc="http://schemas.openxmlformats.org/markup-compatibility/2006" xmlns:hp="http://schemas.haansoft.com/office/presentation/8.0" lang="en-US" altLang="ko-KR" sz="1000" b="0" i="0" strike="noStrike" mc:Ignorable="hp" hp:hslEmbossed="0">
+                          <a:solidFill>
+                            <a:srgbClr val="000000">
+                              <a:alpha val="100000"/>
+                            </a:srgbClr>
+                          </a:solidFill>
+                        </a:rPr>
+                        <a:t>X</a:t>
+                      </a:r>
+                      <a:endParaRPr xmlns:mc="http://schemas.openxmlformats.org/markup-compatibility/2006" xmlns:hp="http://schemas.haansoft.com/office/presentation/8.0" lang="en-US" altLang="ko-KR" sz="1000" b="0" i="0" strike="noStrike" mc:Ignorable="hp" hp:hslEmbossed="0">
                         <a:solidFill>
                           <a:srgbClr val="000000">
                             <a:alpha val="100000"/>
